--- a/游戏界面示意图.pptx
+++ b/游戏界面示意图.pptx
@@ -6647,7 +6647,7 @@
                 <a:latin typeface="兰亭黑-简" panose="02000000000000000000" charset="-122"/>
                 <a:ea typeface="兰亭黑-简" panose="02000000000000000000" charset="-122"/>
               </a:rPr>
-              <a:t>W、↑：转换方块朝向</a:t>
+              <a:t>W ：转换方块朝向</a:t>
             </a:r>
             <a:endParaRPr lang="zh-CN" altLang="en-US" sz="1600" b="1">
               <a:ln w="12700">
@@ -6701,7 +6701,7 @@
                 <a:latin typeface="兰亭黑-简" panose="02000000000000000000" charset="-122"/>
                 <a:ea typeface="兰亭黑-简" panose="02000000000000000000" charset="-122"/>
               </a:rPr>
-              <a:t>S、↓：加速方块下落</a:t>
+              <a:t>S ：加速方块下落</a:t>
             </a:r>
             <a:endParaRPr lang="zh-CN" altLang="en-US" sz="1600" b="1">
               <a:ln w="12700">
@@ -6755,7 +6755,7 @@
                 <a:latin typeface="兰亭黑-简" panose="02000000000000000000" charset="-122"/>
                 <a:ea typeface="兰亭黑-简" panose="02000000000000000000" charset="-122"/>
               </a:rPr>
-              <a:t>A、← ：控制方块向右移动</a:t>
+              <a:t>A ：控制方块向右移动</a:t>
             </a:r>
             <a:endParaRPr lang="zh-CN" altLang="en-US" sz="1600" b="1">
               <a:ln w="12700">
@@ -6809,7 +6809,7 @@
                 <a:latin typeface="兰亭黑-简" panose="02000000000000000000" charset="-122"/>
                 <a:ea typeface="兰亭黑-简" panose="02000000000000000000" charset="-122"/>
               </a:rPr>
-              <a:t>D、→ ：控制方块向右移动  </a:t>
+              <a:t>D ：控制方块向右移动  </a:t>
             </a:r>
             <a:endParaRPr lang="zh-CN" altLang="en-US" sz="1600" b="1">
               <a:ln w="12700">
